--- a/Weather Forecasting Project.pptx
+++ b/Weather Forecasting Project.pptx
@@ -6,7 +6,9 @@
   </p:sldMasterIdLst>
   <p:sldIdLst>
     <p:sldId id="256" r:id="rId2"/>
-    <p:sldId id="257" r:id="rId3"/>
+    <p:sldId id="259" r:id="rId3"/>
+    <p:sldId id="257" r:id="rId4"/>
+    <p:sldId id="258" r:id="rId5"/>
   </p:sldIdLst>
   <p:sldSz cx="12192000" cy="6858000"/>
   <p:notesSz cx="6858000" cy="9144000"/>
@@ -3685,6 +3687,106 @@
           <p:cNvPr id="2" name="Title 1">
             <a:extLst>
               <a:ext uri="{FF2B5EF4-FFF2-40B4-BE49-F238E27FC236}">
+                <a16:creationId xmlns:a16="http://schemas.microsoft.com/office/drawing/2014/main" id="{FB1A3CF0-920A-8242-7879-4CE792C7FD3F}"/>
+              </a:ext>
+            </a:extLst>
+          </p:cNvPr>
+          <p:cNvSpPr>
+            <a:spLocks noGrp="1"/>
+          </p:cNvSpPr>
+          <p:nvPr>
+            <p:ph type="title"/>
+          </p:nvPr>
+        </p:nvSpPr>
+        <p:spPr/>
+        <p:txBody>
+          <a:bodyPr>
+            <a:normAutofit/>
+          </a:bodyPr>
+          <a:lstStyle/>
+          <a:p>
+            <a:r>
+              <a:rPr lang="en-US" dirty="0"/>
+              <a:t>Goal of the Project</a:t>
+            </a:r>
+          </a:p>
+        </p:txBody>
+      </p:sp>
+      <p:sp>
+        <p:nvSpPr>
+          <p:cNvPr id="3" name="Content Placeholder 2">
+            <a:extLst>
+              <a:ext uri="{FF2B5EF4-FFF2-40B4-BE49-F238E27FC236}">
+                <a16:creationId xmlns:a16="http://schemas.microsoft.com/office/drawing/2014/main" id="{5E21020B-A056-E2BC-8450-642C6D0C6561}"/>
+              </a:ext>
+            </a:extLst>
+          </p:cNvPr>
+          <p:cNvSpPr>
+            <a:spLocks noGrp="1"/>
+          </p:cNvSpPr>
+          <p:nvPr>
+            <p:ph idx="1"/>
+          </p:nvPr>
+        </p:nvSpPr>
+        <p:spPr/>
+        <p:txBody>
+          <a:bodyPr/>
+          <a:lstStyle/>
+          <a:p>
+            <a:r>
+              <a:rPr lang="en-US" dirty="0"/>
+              <a:t>Find the model that can most accurately predict the temperature according to a forecast in a certain location, corrected to longitude and latitude, using some ML models, while trying to find the best Hyper parameters for them.</a:t>
+            </a:r>
+          </a:p>
+          <a:p>
+            <a:r>
+              <a:rPr lang="en-US" dirty="0"/>
+              <a:t>We will mainly use MSE as the main scoring value when searching for the optimal set of hyperparameters during training of the model</a:t>
+            </a:r>
+          </a:p>
+          <a:p>
+            <a:r>
+              <a:rPr lang="en-US" dirty="0"/>
+              <a:t>The data will be split into training and testing data sets, and the training data sets will be further split into time-series-aware sets of data as validation sets to find the best hyperparameters that give the best scoring value in the cross-validation part of the pipeline.</a:t>
+            </a:r>
+          </a:p>
+        </p:txBody>
+      </p:sp>
+    </p:spTree>
+    <p:extLst>
+      <p:ext uri="{BB962C8B-B14F-4D97-AF65-F5344CB8AC3E}">
+        <p14:creationId xmlns:p14="http://schemas.microsoft.com/office/powerpoint/2010/main" val="1754976508"/>
+      </p:ext>
+    </p:extLst>
+  </p:cSld>
+  <p:clrMapOvr>
+    <a:masterClrMapping/>
+  </p:clrMapOvr>
+</p:sld>
+</file>
+
+<file path=ppt/slides/slide3.xml><?xml version="1.0" encoding="utf-8"?>
+<p:sld xmlns:a="http://schemas.openxmlformats.org/drawingml/2006/main" xmlns:r="http://schemas.openxmlformats.org/officeDocument/2006/relationships" xmlns:p="http://schemas.openxmlformats.org/presentationml/2006/main">
+  <p:cSld>
+    <p:spTree>
+      <p:nvGrpSpPr>
+        <p:cNvPr id="1" name=""/>
+        <p:cNvGrpSpPr/>
+        <p:nvPr/>
+      </p:nvGrpSpPr>
+      <p:grpSpPr>
+        <a:xfrm>
+          <a:off x="0" y="0"/>
+          <a:ext cx="0" cy="0"/>
+          <a:chOff x="0" y="0"/>
+          <a:chExt cx="0" cy="0"/>
+        </a:xfrm>
+      </p:grpSpPr>
+      <p:sp>
+        <p:nvSpPr>
+          <p:cNvPr id="2" name="Title 1">
+            <a:extLst>
+              <a:ext uri="{FF2B5EF4-FFF2-40B4-BE49-F238E27FC236}">
                 <a16:creationId xmlns:a16="http://schemas.microsoft.com/office/drawing/2014/main" id="{D68963F4-B672-7B32-F94C-58B7A627ACDC}"/>
               </a:ext>
             </a:extLst>
@@ -3809,6 +3911,89 @@
     <p:extLst>
       <p:ext uri="{BB962C8B-B14F-4D97-AF65-F5344CB8AC3E}">
         <p14:creationId xmlns:p14="http://schemas.microsoft.com/office/powerpoint/2010/main" val="4286685145"/>
+      </p:ext>
+    </p:extLst>
+  </p:cSld>
+  <p:clrMapOvr>
+    <a:masterClrMapping/>
+  </p:clrMapOvr>
+</p:sld>
+</file>
+
+<file path=ppt/slides/slide4.xml><?xml version="1.0" encoding="utf-8"?>
+<p:sld xmlns:a="http://schemas.openxmlformats.org/drawingml/2006/main" xmlns:r="http://schemas.openxmlformats.org/officeDocument/2006/relationships" xmlns:p="http://schemas.openxmlformats.org/presentationml/2006/main">
+  <p:cSld>
+    <p:spTree>
+      <p:nvGrpSpPr>
+        <p:cNvPr id="1" name=""/>
+        <p:cNvGrpSpPr/>
+        <p:nvPr/>
+      </p:nvGrpSpPr>
+      <p:grpSpPr>
+        <a:xfrm>
+          <a:off x="0" y="0"/>
+          <a:ext cx="0" cy="0"/>
+          <a:chOff x="0" y="0"/>
+          <a:chExt cx="0" cy="0"/>
+        </a:xfrm>
+      </p:grpSpPr>
+      <p:sp>
+        <p:nvSpPr>
+          <p:cNvPr id="2" name="Title 1">
+            <a:extLst>
+              <a:ext uri="{FF2B5EF4-FFF2-40B4-BE49-F238E27FC236}">
+                <a16:creationId xmlns:a16="http://schemas.microsoft.com/office/drawing/2014/main" id="{FBBA1AA0-C299-BA2D-0365-025550D77766}"/>
+              </a:ext>
+            </a:extLst>
+          </p:cNvPr>
+          <p:cNvSpPr>
+            <a:spLocks noGrp="1"/>
+          </p:cNvSpPr>
+          <p:nvPr>
+            <p:ph type="title"/>
+          </p:nvPr>
+        </p:nvSpPr>
+        <p:spPr/>
+        <p:txBody>
+          <a:bodyPr/>
+          <a:lstStyle/>
+          <a:p>
+            <a:r>
+              <a:rPr lang="en-US" dirty="0"/>
+              <a:t>Preprocessing of the Data</a:t>
+            </a:r>
+          </a:p>
+        </p:txBody>
+      </p:sp>
+      <p:sp>
+        <p:nvSpPr>
+          <p:cNvPr id="3" name="Content Placeholder 2">
+            <a:extLst>
+              <a:ext uri="{FF2B5EF4-FFF2-40B4-BE49-F238E27FC236}">
+                <a16:creationId xmlns:a16="http://schemas.microsoft.com/office/drawing/2014/main" id="{EC983AFF-C894-49C8-7A5E-8E94865ECA18}"/>
+              </a:ext>
+            </a:extLst>
+          </p:cNvPr>
+          <p:cNvSpPr>
+            <a:spLocks noGrp="1"/>
+          </p:cNvSpPr>
+          <p:nvPr>
+            <p:ph idx="1"/>
+          </p:nvPr>
+        </p:nvSpPr>
+        <p:spPr/>
+        <p:txBody>
+          <a:bodyPr/>
+          <a:lstStyle/>
+          <a:p>
+            <a:endParaRPr lang="en-US" dirty="0"/>
+          </a:p>
+        </p:txBody>
+      </p:sp>
+    </p:spTree>
+    <p:extLst>
+      <p:ext uri="{BB962C8B-B14F-4D97-AF65-F5344CB8AC3E}">
+        <p14:creationId xmlns:p14="http://schemas.microsoft.com/office/powerpoint/2010/main" val="745113233"/>
       </p:ext>
     </p:extLst>
   </p:cSld>

--- a/Weather Forecasting Project.pptx
+++ b/Weather Forecasting Project.pptx
@@ -9,6 +9,10 @@
     <p:sldId id="259" r:id="rId3"/>
     <p:sldId id="257" r:id="rId4"/>
     <p:sldId id="258" r:id="rId5"/>
+    <p:sldId id="260" r:id="rId6"/>
+    <p:sldId id="261" r:id="rId7"/>
+    <p:sldId id="262" r:id="rId8"/>
+    <p:sldId id="263" r:id="rId9"/>
   </p:sldIdLst>
   <p:sldSz cx="12192000" cy="6858000"/>
   <p:notesSz cx="6858000" cy="9144000"/>
@@ -3833,15 +3837,7 @@
           <a:p>
             <a:r>
               <a:rPr lang="en-US" dirty="0"/>
-              <a:t>The data contained in the forecast csv files of 2014 were merged and the first 50 rows of each </a:t>
-            </a:r>
-            <a:r>
-              <a:rPr lang="en-US" dirty="0" err="1"/>
-              <a:t>dataframe</a:t>
-            </a:r>
-            <a:r>
-              <a:rPr lang="en-US" dirty="0"/>
-              <a:t> were removed.</a:t>
+              <a:t>The data contained in the forecast csv files of 2014 were merged and the first 50 rows of each data frame were removed.</a:t>
             </a:r>
           </a:p>
           <a:p>
@@ -3986,14 +3982,576 @@
           <a:bodyPr/>
           <a:lstStyle/>
           <a:p>
+            <a:r>
+              <a:rPr lang="en-US" dirty="0"/>
+              <a:t>Values in most columns were scaled using </a:t>
+            </a:r>
+            <a:r>
+              <a:rPr lang="en-US" dirty="0" err="1"/>
+              <a:t>StandardScaler</a:t>
+            </a:r>
+            <a:r>
+              <a:rPr lang="en-US" dirty="0"/>
+              <a:t>, before being input into the Cross-Validator/ML model.</a:t>
+            </a:r>
+          </a:p>
+          <a:p>
             <a:endParaRPr lang="en-US" dirty="0"/>
           </a:p>
         </p:txBody>
       </p:sp>
+      <p:pic>
+        <p:nvPicPr>
+          <p:cNvPr id="5" name="Picture 4">
+            <a:extLst>
+              <a:ext uri="{FF2B5EF4-FFF2-40B4-BE49-F238E27FC236}">
+                <a16:creationId xmlns:a16="http://schemas.microsoft.com/office/drawing/2014/main" id="{F5261F0F-209C-B12F-8A6B-DCD1279ED4BF}"/>
+              </a:ext>
+            </a:extLst>
+          </p:cNvPr>
+          <p:cNvPicPr>
+            <a:picLocks noChangeAspect="1"/>
+          </p:cNvPicPr>
+          <p:nvPr/>
+        </p:nvPicPr>
+        <p:blipFill>
+          <a:blip r:embed="rId2"/>
+          <a:stretch>
+            <a:fillRect/>
+          </a:stretch>
+        </p:blipFill>
+        <p:spPr>
+          <a:xfrm>
+            <a:off x="624348" y="3183194"/>
+            <a:ext cx="10943303" cy="2470745"/>
+          </a:xfrm>
+          <a:prstGeom prst="rect">
+            <a:avLst/>
+          </a:prstGeom>
+        </p:spPr>
+      </p:pic>
     </p:spTree>
     <p:extLst>
       <p:ext uri="{BB962C8B-B14F-4D97-AF65-F5344CB8AC3E}">
         <p14:creationId xmlns:p14="http://schemas.microsoft.com/office/powerpoint/2010/main" val="745113233"/>
+      </p:ext>
+    </p:extLst>
+  </p:cSld>
+  <p:clrMapOvr>
+    <a:masterClrMapping/>
+  </p:clrMapOvr>
+</p:sld>
+</file>
+
+<file path=ppt/slides/slide5.xml><?xml version="1.0" encoding="utf-8"?>
+<p:sld xmlns:a="http://schemas.openxmlformats.org/drawingml/2006/main" xmlns:r="http://schemas.openxmlformats.org/officeDocument/2006/relationships" xmlns:p="http://schemas.openxmlformats.org/presentationml/2006/main">
+  <p:cSld>
+    <p:spTree>
+      <p:nvGrpSpPr>
+        <p:cNvPr id="1" name=""/>
+        <p:cNvGrpSpPr/>
+        <p:nvPr/>
+      </p:nvGrpSpPr>
+      <p:grpSpPr>
+        <a:xfrm>
+          <a:off x="0" y="0"/>
+          <a:ext cx="0" cy="0"/>
+          <a:chOff x="0" y="0"/>
+          <a:chExt cx="0" cy="0"/>
+        </a:xfrm>
+      </p:grpSpPr>
+      <p:sp>
+        <p:nvSpPr>
+          <p:cNvPr id="2" name="Title 1">
+            <a:extLst>
+              <a:ext uri="{FF2B5EF4-FFF2-40B4-BE49-F238E27FC236}">
+                <a16:creationId xmlns:a16="http://schemas.microsoft.com/office/drawing/2014/main" id="{1B14B116-529A-582D-7BBC-C0C8112A0FAE}"/>
+              </a:ext>
+            </a:extLst>
+          </p:cNvPr>
+          <p:cNvSpPr>
+            <a:spLocks noGrp="1"/>
+          </p:cNvSpPr>
+          <p:nvPr>
+            <p:ph type="title"/>
+          </p:nvPr>
+        </p:nvSpPr>
+        <p:spPr/>
+        <p:txBody>
+          <a:bodyPr/>
+          <a:lstStyle/>
+          <a:p>
+            <a:r>
+              <a:rPr lang="en-US" dirty="0"/>
+              <a:t>Preprocessing of the Data</a:t>
+            </a:r>
+          </a:p>
+        </p:txBody>
+      </p:sp>
+      <p:pic>
+        <p:nvPicPr>
+          <p:cNvPr id="5" name="Content Placeholder 4">
+            <a:extLst>
+              <a:ext uri="{FF2B5EF4-FFF2-40B4-BE49-F238E27FC236}">
+                <a16:creationId xmlns:a16="http://schemas.microsoft.com/office/drawing/2014/main" id="{AE8F491A-A875-7F9F-3D4B-2781DDE68CCB}"/>
+              </a:ext>
+            </a:extLst>
+          </p:cNvPr>
+          <p:cNvPicPr>
+            <a:picLocks noGrp="1" noChangeAspect="1"/>
+          </p:cNvPicPr>
+          <p:nvPr>
+            <p:ph idx="1"/>
+          </p:nvPr>
+        </p:nvPicPr>
+        <p:blipFill>
+          <a:blip r:embed="rId2"/>
+          <a:stretch>
+            <a:fillRect/>
+          </a:stretch>
+        </p:blipFill>
+        <p:spPr>
+          <a:xfrm>
+            <a:off x="2547844" y="3358263"/>
+            <a:ext cx="6499039" cy="3149113"/>
+          </a:xfrm>
+        </p:spPr>
+      </p:pic>
+      <p:pic>
+        <p:nvPicPr>
+          <p:cNvPr id="7" name="Picture 6">
+            <a:extLst>
+              <a:ext uri="{FF2B5EF4-FFF2-40B4-BE49-F238E27FC236}">
+                <a16:creationId xmlns:a16="http://schemas.microsoft.com/office/drawing/2014/main" id="{15DF9C12-0C3F-A829-4453-2997627EF32F}"/>
+              </a:ext>
+            </a:extLst>
+          </p:cNvPr>
+          <p:cNvPicPr>
+            <a:picLocks noChangeAspect="1"/>
+          </p:cNvPicPr>
+          <p:nvPr/>
+        </p:nvPicPr>
+        <p:blipFill>
+          <a:blip r:embed="rId3"/>
+          <a:stretch>
+            <a:fillRect/>
+          </a:stretch>
+        </p:blipFill>
+        <p:spPr>
+          <a:xfrm>
+            <a:off x="2547844" y="1843343"/>
+            <a:ext cx="6499038" cy="1362265"/>
+          </a:xfrm>
+          <a:prstGeom prst="rect">
+            <a:avLst/>
+          </a:prstGeom>
+        </p:spPr>
+      </p:pic>
+    </p:spTree>
+    <p:extLst>
+      <p:ext uri="{BB962C8B-B14F-4D97-AF65-F5344CB8AC3E}">
+        <p14:creationId xmlns:p14="http://schemas.microsoft.com/office/powerpoint/2010/main" val="1780101006"/>
+      </p:ext>
+    </p:extLst>
+  </p:cSld>
+  <p:clrMapOvr>
+    <a:masterClrMapping/>
+  </p:clrMapOvr>
+</p:sld>
+</file>
+
+<file path=ppt/slides/slide6.xml><?xml version="1.0" encoding="utf-8"?>
+<p:sld xmlns:a="http://schemas.openxmlformats.org/drawingml/2006/main" xmlns:r="http://schemas.openxmlformats.org/officeDocument/2006/relationships" xmlns:p="http://schemas.openxmlformats.org/presentationml/2006/main">
+  <p:cSld>
+    <p:spTree>
+      <p:nvGrpSpPr>
+        <p:cNvPr id="1" name=""/>
+        <p:cNvGrpSpPr/>
+        <p:nvPr/>
+      </p:nvGrpSpPr>
+      <p:grpSpPr>
+        <a:xfrm>
+          <a:off x="0" y="0"/>
+          <a:ext cx="0" cy="0"/>
+          <a:chOff x="0" y="0"/>
+          <a:chExt cx="0" cy="0"/>
+        </a:xfrm>
+      </p:grpSpPr>
+      <p:sp>
+        <p:nvSpPr>
+          <p:cNvPr id="2" name="Title 1">
+            <a:extLst>
+              <a:ext uri="{FF2B5EF4-FFF2-40B4-BE49-F238E27FC236}">
+                <a16:creationId xmlns:a16="http://schemas.microsoft.com/office/drawing/2014/main" id="{9B1DE1AF-0235-8FB1-1566-97706DB14921}"/>
+              </a:ext>
+            </a:extLst>
+          </p:cNvPr>
+          <p:cNvSpPr>
+            <a:spLocks noGrp="1"/>
+          </p:cNvSpPr>
+          <p:nvPr>
+            <p:ph type="title"/>
+          </p:nvPr>
+        </p:nvSpPr>
+        <p:spPr/>
+        <p:txBody>
+          <a:bodyPr>
+            <a:normAutofit fontScale="90000"/>
+          </a:bodyPr>
+          <a:lstStyle/>
+          <a:p>
+            <a:r>
+              <a:rPr lang="en-US" dirty="0"/>
+              <a:t>Cross-Validation and Validation Sets</a:t>
+            </a:r>
+          </a:p>
+        </p:txBody>
+      </p:sp>
+      <p:sp>
+        <p:nvSpPr>
+          <p:cNvPr id="3" name="Content Placeholder 2">
+            <a:extLst>
+              <a:ext uri="{FF2B5EF4-FFF2-40B4-BE49-F238E27FC236}">
+                <a16:creationId xmlns:a16="http://schemas.microsoft.com/office/drawing/2014/main" id="{38E12B20-9313-1410-45C2-B921FEE992B9}"/>
+              </a:ext>
+            </a:extLst>
+          </p:cNvPr>
+          <p:cNvSpPr>
+            <a:spLocks noGrp="1"/>
+          </p:cNvSpPr>
+          <p:nvPr>
+            <p:ph idx="1"/>
+          </p:nvPr>
+        </p:nvSpPr>
+        <p:spPr/>
+        <p:txBody>
+          <a:bodyPr/>
+          <a:lstStyle/>
+          <a:p>
+            <a:r>
+              <a:rPr lang="en-US" dirty="0"/>
+              <a:t>Each of the three ML models where parts of a </a:t>
+            </a:r>
+            <a:r>
+              <a:rPr lang="en-US" dirty="0" err="1"/>
+              <a:t>make_pipeline</a:t>
+            </a:r>
+            <a:r>
+              <a:rPr lang="en-US" dirty="0"/>
+              <a:t> method and were ran inside a </a:t>
+            </a:r>
+            <a:r>
+              <a:rPr lang="en-US" dirty="0" err="1"/>
+              <a:t>cross_validator</a:t>
+            </a:r>
+            <a:r>
+              <a:rPr lang="en-US" dirty="0"/>
+              <a:t> class that searches the best possible fit of the model according to some scoring variable given to the constructor of the class.</a:t>
+            </a:r>
+          </a:p>
+          <a:p>
+            <a:r>
+              <a:rPr lang="en-US" dirty="0"/>
+              <a:t>The </a:t>
+            </a:r>
+            <a:r>
+              <a:rPr lang="en-US" dirty="0" err="1"/>
+              <a:t>TimeSeriesSplit</a:t>
+            </a:r>
+            <a:r>
+              <a:rPr lang="en-US" dirty="0"/>
+              <a:t> method was used to generate k folds of the training data subset</a:t>
+            </a:r>
+          </a:p>
+          <a:p>
+            <a:endParaRPr lang="en-US" dirty="0"/>
+          </a:p>
+        </p:txBody>
+      </p:sp>
+      <p:pic>
+        <p:nvPicPr>
+          <p:cNvPr id="5" name="Picture 4" descr="A graph with different colored bars&#10;&#10;Description automatically generated">
+            <a:extLst>
+              <a:ext uri="{FF2B5EF4-FFF2-40B4-BE49-F238E27FC236}">
+                <a16:creationId xmlns:a16="http://schemas.microsoft.com/office/drawing/2014/main" id="{436C8547-92D6-64C5-3DD3-B1FDAB98111A}"/>
+              </a:ext>
+            </a:extLst>
+          </p:cNvPr>
+          <p:cNvPicPr>
+            <a:picLocks noChangeAspect="1"/>
+          </p:cNvPicPr>
+          <p:nvPr/>
+        </p:nvPicPr>
+        <p:blipFill>
+          <a:blip r:embed="rId2">
+            <a:extLst>
+              <a:ext uri="{28A0092B-C50C-407E-A947-70E740481C1C}">
+                <a14:useLocalDpi xmlns:a14="http://schemas.microsoft.com/office/drawing/2010/main" val="0"/>
+              </a:ext>
+            </a:extLst>
+          </a:blip>
+          <a:stretch>
+            <a:fillRect/>
+          </a:stretch>
+        </p:blipFill>
+        <p:spPr>
+          <a:xfrm>
+            <a:off x="3539607" y="3683944"/>
+            <a:ext cx="5486411" cy="2743205"/>
+          </a:xfrm>
+          <a:prstGeom prst="rect">
+            <a:avLst/>
+          </a:prstGeom>
+          <a:ln>
+            <a:solidFill>
+              <a:schemeClr val="tx1"/>
+            </a:solidFill>
+          </a:ln>
+        </p:spPr>
+      </p:pic>
+    </p:spTree>
+    <p:extLst>
+      <p:ext uri="{BB962C8B-B14F-4D97-AF65-F5344CB8AC3E}">
+        <p14:creationId xmlns:p14="http://schemas.microsoft.com/office/powerpoint/2010/main" val="2947140078"/>
+      </p:ext>
+    </p:extLst>
+  </p:cSld>
+  <p:clrMapOvr>
+    <a:masterClrMapping/>
+  </p:clrMapOvr>
+</p:sld>
+</file>
+
+<file path=ppt/slides/slide7.xml><?xml version="1.0" encoding="utf-8"?>
+<p:sld xmlns:a="http://schemas.openxmlformats.org/drawingml/2006/main" xmlns:r="http://schemas.openxmlformats.org/officeDocument/2006/relationships" xmlns:p="http://schemas.openxmlformats.org/presentationml/2006/main">
+  <p:cSld>
+    <p:spTree>
+      <p:nvGrpSpPr>
+        <p:cNvPr id="1" name=""/>
+        <p:cNvGrpSpPr/>
+        <p:nvPr/>
+      </p:nvGrpSpPr>
+      <p:grpSpPr>
+        <a:xfrm>
+          <a:off x="0" y="0"/>
+          <a:ext cx="0" cy="0"/>
+          <a:chOff x="0" y="0"/>
+          <a:chExt cx="0" cy="0"/>
+        </a:xfrm>
+      </p:grpSpPr>
+      <p:sp>
+        <p:nvSpPr>
+          <p:cNvPr id="2" name="Title 1">
+            <a:extLst>
+              <a:ext uri="{FF2B5EF4-FFF2-40B4-BE49-F238E27FC236}">
+                <a16:creationId xmlns:a16="http://schemas.microsoft.com/office/drawing/2014/main" id="{A43986D5-C79D-73ED-81A6-D689B20D6B00}"/>
+              </a:ext>
+            </a:extLst>
+          </p:cNvPr>
+          <p:cNvSpPr>
+            <a:spLocks noGrp="1"/>
+          </p:cNvSpPr>
+          <p:nvPr>
+            <p:ph type="title"/>
+          </p:nvPr>
+        </p:nvSpPr>
+        <p:spPr/>
+        <p:txBody>
+          <a:bodyPr>
+            <a:normAutofit fontScale="90000"/>
+          </a:bodyPr>
+          <a:lstStyle/>
+          <a:p>
+            <a:r>
+              <a:rPr lang="en-US" dirty="0"/>
+              <a:t>Cross-Validation and Validation Sets</a:t>
+            </a:r>
+          </a:p>
+        </p:txBody>
+      </p:sp>
+      <p:sp>
+        <p:nvSpPr>
+          <p:cNvPr id="3" name="Content Placeholder 2">
+            <a:extLst>
+              <a:ext uri="{FF2B5EF4-FFF2-40B4-BE49-F238E27FC236}">
+                <a16:creationId xmlns:a16="http://schemas.microsoft.com/office/drawing/2014/main" id="{C7779272-3DFF-F500-9767-F71618A96C18}"/>
+              </a:ext>
+            </a:extLst>
+          </p:cNvPr>
+          <p:cNvSpPr>
+            <a:spLocks noGrp="1"/>
+          </p:cNvSpPr>
+          <p:nvPr>
+            <p:ph idx="1"/>
+          </p:nvPr>
+        </p:nvSpPr>
+        <p:spPr/>
+        <p:txBody>
+          <a:bodyPr/>
+          <a:lstStyle/>
+          <a:p>
+            <a:r>
+              <a:rPr lang="en-US" dirty="0"/>
+              <a:t>The MSE was used as the scoring variable inside the cross-validation </a:t>
+            </a:r>
+            <a:r>
+              <a:rPr lang="en-US" dirty="0" err="1"/>
+              <a:t>GridSearchCV</a:t>
+            </a:r>
+            <a:r>
+              <a:rPr lang="en-US" dirty="0"/>
+              <a:t> class, to find the best parameters.</a:t>
+            </a:r>
+          </a:p>
+          <a:p>
+            <a:endParaRPr lang="en-US" dirty="0"/>
+          </a:p>
+        </p:txBody>
+      </p:sp>
+      <p:pic>
+        <p:nvPicPr>
+          <p:cNvPr id="9" name="Picture 8">
+            <a:extLst>
+              <a:ext uri="{FF2B5EF4-FFF2-40B4-BE49-F238E27FC236}">
+                <a16:creationId xmlns:a16="http://schemas.microsoft.com/office/drawing/2014/main" id="{079F4A6E-772D-569A-EFCD-31114D4295CD}"/>
+              </a:ext>
+            </a:extLst>
+          </p:cNvPr>
+          <p:cNvPicPr>
+            <a:picLocks noChangeAspect="1"/>
+          </p:cNvPicPr>
+          <p:nvPr/>
+        </p:nvPicPr>
+        <p:blipFill>
+          <a:blip r:embed="rId2"/>
+          <a:stretch>
+            <a:fillRect/>
+          </a:stretch>
+        </p:blipFill>
+        <p:spPr>
+          <a:xfrm>
+            <a:off x="3838260" y="3052710"/>
+            <a:ext cx="4515480" cy="752580"/>
+          </a:xfrm>
+          <a:prstGeom prst="rect">
+            <a:avLst/>
+          </a:prstGeom>
+        </p:spPr>
+      </p:pic>
+      <p:pic>
+        <p:nvPicPr>
+          <p:cNvPr id="11" name="Picture 10">
+            <a:extLst>
+              <a:ext uri="{FF2B5EF4-FFF2-40B4-BE49-F238E27FC236}">
+                <a16:creationId xmlns:a16="http://schemas.microsoft.com/office/drawing/2014/main" id="{075DD658-631A-EF7E-102F-3E21F113B08C}"/>
+              </a:ext>
+            </a:extLst>
+          </p:cNvPr>
+          <p:cNvPicPr>
+            <a:picLocks noChangeAspect="1"/>
+          </p:cNvPicPr>
+          <p:nvPr/>
+        </p:nvPicPr>
+        <p:blipFill>
+          <a:blip r:embed="rId3"/>
+          <a:stretch>
+            <a:fillRect/>
+          </a:stretch>
+        </p:blipFill>
+        <p:spPr>
+          <a:xfrm>
+            <a:off x="2233073" y="4232101"/>
+            <a:ext cx="7725853" cy="1028844"/>
+          </a:xfrm>
+          <a:prstGeom prst="rect">
+            <a:avLst/>
+          </a:prstGeom>
+        </p:spPr>
+      </p:pic>
+    </p:spTree>
+    <p:extLst>
+      <p:ext uri="{BB962C8B-B14F-4D97-AF65-F5344CB8AC3E}">
+        <p14:creationId xmlns:p14="http://schemas.microsoft.com/office/powerpoint/2010/main" val="3859165542"/>
+      </p:ext>
+    </p:extLst>
+  </p:cSld>
+  <p:clrMapOvr>
+    <a:masterClrMapping/>
+  </p:clrMapOvr>
+</p:sld>
+</file>
+
+<file path=ppt/slides/slide8.xml><?xml version="1.0" encoding="utf-8"?>
+<p:sld xmlns:a="http://schemas.openxmlformats.org/drawingml/2006/main" xmlns:r="http://schemas.openxmlformats.org/officeDocument/2006/relationships" xmlns:p="http://schemas.openxmlformats.org/presentationml/2006/main">
+  <p:cSld>
+    <p:spTree>
+      <p:nvGrpSpPr>
+        <p:cNvPr id="1" name=""/>
+        <p:cNvGrpSpPr/>
+        <p:nvPr/>
+      </p:nvGrpSpPr>
+      <p:grpSpPr>
+        <a:xfrm>
+          <a:off x="0" y="0"/>
+          <a:ext cx="0" cy="0"/>
+          <a:chOff x="0" y="0"/>
+          <a:chExt cx="0" cy="0"/>
+        </a:xfrm>
+      </p:grpSpPr>
+      <p:sp>
+        <p:nvSpPr>
+          <p:cNvPr id="2" name="Title 1">
+            <a:extLst>
+              <a:ext uri="{FF2B5EF4-FFF2-40B4-BE49-F238E27FC236}">
+                <a16:creationId xmlns:a16="http://schemas.microsoft.com/office/drawing/2014/main" id="{B8810B18-DD20-A914-9EA2-67E4509BC1FA}"/>
+              </a:ext>
+            </a:extLst>
+          </p:cNvPr>
+          <p:cNvSpPr>
+            <a:spLocks noGrp="1"/>
+          </p:cNvSpPr>
+          <p:nvPr>
+            <p:ph type="title"/>
+          </p:nvPr>
+        </p:nvSpPr>
+        <p:spPr/>
+        <p:txBody>
+          <a:bodyPr/>
+          <a:lstStyle/>
+          <a:p>
+            <a:endParaRPr lang="en-US"/>
+          </a:p>
+        </p:txBody>
+      </p:sp>
+      <p:sp>
+        <p:nvSpPr>
+          <p:cNvPr id="3" name="Content Placeholder 2">
+            <a:extLst>
+              <a:ext uri="{FF2B5EF4-FFF2-40B4-BE49-F238E27FC236}">
+                <a16:creationId xmlns:a16="http://schemas.microsoft.com/office/drawing/2014/main" id="{E05C2752-35D0-B3B2-46B7-6D7A47281C1F}"/>
+              </a:ext>
+            </a:extLst>
+          </p:cNvPr>
+          <p:cNvSpPr>
+            <a:spLocks noGrp="1"/>
+          </p:cNvSpPr>
+          <p:nvPr>
+            <p:ph idx="1"/>
+          </p:nvPr>
+        </p:nvSpPr>
+        <p:spPr/>
+        <p:txBody>
+          <a:bodyPr/>
+          <a:lstStyle/>
+          <a:p>
+            <a:endParaRPr lang="en-US" dirty="0"/>
+          </a:p>
+        </p:txBody>
+      </p:sp>
+    </p:spTree>
+    <p:extLst>
+      <p:ext uri="{BB962C8B-B14F-4D97-AF65-F5344CB8AC3E}">
+        <p14:creationId xmlns:p14="http://schemas.microsoft.com/office/powerpoint/2010/main" val="1318233744"/>
       </p:ext>
     </p:extLst>
   </p:cSld>
